--- a/doc/イメージ図_0606.pptx
+++ b/doc/イメージ図_0606.pptx
@@ -5,7 +5,7 @@
     <p:sldMasterId id="2147483648" r:id="rId1"/>
   </p:sldMasterIdLst>
   <p:notesMasterIdLst>
-    <p:notesMasterId r:id="rId11"/>
+    <p:notesMasterId r:id="rId12"/>
   </p:notesMasterIdLst>
   <p:sldIdLst>
     <p:sldId id="268" r:id="rId2"/>
@@ -17,6 +17,7 @@
     <p:sldId id="265" r:id="rId8"/>
     <p:sldId id="267" r:id="rId9"/>
     <p:sldId id="266" r:id="rId10"/>
+    <p:sldId id="270" r:id="rId11"/>
   </p:sldIdLst>
   <p:sldSz cx="12192000" cy="6858000"/>
   <p:notesSz cx="6858000" cy="9144000"/>
@@ -205,7 +206,7 @@
           <a:p>
             <a:fld id="{3195760C-13C9-420E-A969-27C30C354C60}" type="datetimeFigureOut">
               <a:rPr kumimoji="1" lang="ja-JP" altLang="en-US" smtClean="0"/>
-              <a:t>2023/6/6</a:t>
+              <a:t>2023/6/8</a:t>
             </a:fld>
             <a:endParaRPr kumimoji="1" lang="ja-JP" altLang="en-US"/>
           </a:p>
@@ -860,7 +861,7 @@
           <a:p>
             <a:fld id="{873F8E66-ECF2-4E67-94AB-6F1711925AFC}" type="datetimeFigureOut">
               <a:rPr kumimoji="1" lang="ja-JP" altLang="en-US" smtClean="0"/>
-              <a:t>2023/6/6</a:t>
+              <a:t>2023/6/8</a:t>
             </a:fld>
             <a:endParaRPr kumimoji="1" lang="ja-JP" altLang="en-US"/>
           </a:p>
@@ -1090,7 +1091,7 @@
           <a:p>
             <a:fld id="{873F8E66-ECF2-4E67-94AB-6F1711925AFC}" type="datetimeFigureOut">
               <a:rPr kumimoji="1" lang="ja-JP" altLang="en-US" smtClean="0"/>
-              <a:t>2023/6/6</a:t>
+              <a:t>2023/6/8</a:t>
             </a:fld>
             <a:endParaRPr kumimoji="1" lang="ja-JP" altLang="en-US"/>
           </a:p>
@@ -1330,7 +1331,7 @@
           <a:p>
             <a:fld id="{873F8E66-ECF2-4E67-94AB-6F1711925AFC}" type="datetimeFigureOut">
               <a:rPr kumimoji="1" lang="ja-JP" altLang="en-US" smtClean="0"/>
-              <a:t>2023/6/6</a:t>
+              <a:t>2023/6/8</a:t>
             </a:fld>
             <a:endParaRPr kumimoji="1" lang="ja-JP" altLang="en-US"/>
           </a:p>
@@ -1560,7 +1561,7 @@
           <a:p>
             <a:fld id="{873F8E66-ECF2-4E67-94AB-6F1711925AFC}" type="datetimeFigureOut">
               <a:rPr kumimoji="1" lang="ja-JP" altLang="en-US" smtClean="0"/>
-              <a:t>2023/6/6</a:t>
+              <a:t>2023/6/8</a:t>
             </a:fld>
             <a:endParaRPr kumimoji="1" lang="ja-JP" altLang="en-US"/>
           </a:p>
@@ -1835,7 +1836,7 @@
           <a:p>
             <a:fld id="{873F8E66-ECF2-4E67-94AB-6F1711925AFC}" type="datetimeFigureOut">
               <a:rPr kumimoji="1" lang="ja-JP" altLang="en-US" smtClean="0"/>
-              <a:t>2023/6/6</a:t>
+              <a:t>2023/6/8</a:t>
             </a:fld>
             <a:endParaRPr kumimoji="1" lang="ja-JP" altLang="en-US"/>
           </a:p>
@@ -2164,7 +2165,7 @@
           <a:p>
             <a:fld id="{873F8E66-ECF2-4E67-94AB-6F1711925AFC}" type="datetimeFigureOut">
               <a:rPr kumimoji="1" lang="ja-JP" altLang="en-US" smtClean="0"/>
-              <a:t>2023/6/6</a:t>
+              <a:t>2023/6/8</a:t>
             </a:fld>
             <a:endParaRPr kumimoji="1" lang="ja-JP" altLang="en-US"/>
           </a:p>
@@ -2640,7 +2641,7 @@
           <a:p>
             <a:fld id="{873F8E66-ECF2-4E67-94AB-6F1711925AFC}" type="datetimeFigureOut">
               <a:rPr kumimoji="1" lang="ja-JP" altLang="en-US" smtClean="0"/>
-              <a:t>2023/6/6</a:t>
+              <a:t>2023/6/8</a:t>
             </a:fld>
             <a:endParaRPr kumimoji="1" lang="ja-JP" altLang="en-US"/>
           </a:p>
@@ -2781,7 +2782,7 @@
           <a:p>
             <a:fld id="{873F8E66-ECF2-4E67-94AB-6F1711925AFC}" type="datetimeFigureOut">
               <a:rPr kumimoji="1" lang="ja-JP" altLang="en-US" smtClean="0"/>
-              <a:t>2023/6/6</a:t>
+              <a:t>2023/6/8</a:t>
             </a:fld>
             <a:endParaRPr kumimoji="1" lang="ja-JP" altLang="en-US"/>
           </a:p>
@@ -2894,7 +2895,7 @@
           <a:p>
             <a:fld id="{873F8E66-ECF2-4E67-94AB-6F1711925AFC}" type="datetimeFigureOut">
               <a:rPr kumimoji="1" lang="ja-JP" altLang="en-US" smtClean="0"/>
-              <a:t>2023/6/6</a:t>
+              <a:t>2023/6/8</a:t>
             </a:fld>
             <a:endParaRPr kumimoji="1" lang="ja-JP" altLang="en-US"/>
           </a:p>
@@ -3237,7 +3238,7 @@
           <a:p>
             <a:fld id="{873F8E66-ECF2-4E67-94AB-6F1711925AFC}" type="datetimeFigureOut">
               <a:rPr kumimoji="1" lang="ja-JP" altLang="en-US" smtClean="0"/>
-              <a:t>2023/6/6</a:t>
+              <a:t>2023/6/8</a:t>
             </a:fld>
             <a:endParaRPr kumimoji="1" lang="ja-JP" altLang="en-US"/>
           </a:p>
@@ -3525,7 +3526,7 @@
           <a:p>
             <a:fld id="{873F8E66-ECF2-4E67-94AB-6F1711925AFC}" type="datetimeFigureOut">
               <a:rPr kumimoji="1" lang="ja-JP" altLang="en-US" smtClean="0"/>
-              <a:t>2023/6/6</a:t>
+              <a:t>2023/6/8</a:t>
             </a:fld>
             <a:endParaRPr kumimoji="1" lang="ja-JP" altLang="en-US"/>
           </a:p>
@@ -3798,7 +3799,7 @@
           <a:p>
             <a:fld id="{873F8E66-ECF2-4E67-94AB-6F1711925AFC}" type="datetimeFigureOut">
               <a:rPr kumimoji="1" lang="ja-JP" altLang="en-US" smtClean="0"/>
-              <a:t>2023/6/6</a:t>
+              <a:t>2023/6/8</a:t>
             </a:fld>
             <a:endParaRPr kumimoji="1" lang="ja-JP" altLang="en-US"/>
           </a:p>
@@ -4691,6 +4692,589 @@
     <p:extLst>
       <p:ext uri="{BB962C8B-B14F-4D97-AF65-F5344CB8AC3E}">
         <p14:creationId xmlns:p14="http://schemas.microsoft.com/office/powerpoint/2010/main" val="1040173639"/>
+      </p:ext>
+    </p:extLst>
+  </p:cSld>
+  <p:clrMapOvr>
+    <a:masterClrMapping/>
+  </p:clrMapOvr>
+</p:sld>
+</file>
+
+<file path=ppt/slides/slide10.xml><?xml version="1.0" encoding="utf-8"?>
+<p:sld xmlns:a="http://schemas.openxmlformats.org/drawingml/2006/main" xmlns:r="http://schemas.openxmlformats.org/officeDocument/2006/relationships" xmlns:p="http://schemas.openxmlformats.org/presentationml/2006/main">
+  <p:cSld>
+    <p:spTree>
+      <p:nvGrpSpPr>
+        <p:cNvPr id="1" name=""/>
+        <p:cNvGrpSpPr/>
+        <p:nvPr/>
+      </p:nvGrpSpPr>
+      <p:grpSpPr>
+        <a:xfrm>
+          <a:off x="0" y="0"/>
+          <a:ext cx="0" cy="0"/>
+          <a:chOff x="0" y="0"/>
+          <a:chExt cx="0" cy="0"/>
+        </a:xfrm>
+      </p:grpSpPr>
+      <p:sp>
+        <p:nvSpPr>
+          <p:cNvPr id="4" name="正方形/長方形 3">
+            <a:extLst>
+              <a:ext uri="{FF2B5EF4-FFF2-40B4-BE49-F238E27FC236}">
+                <a16:creationId xmlns:a16="http://schemas.microsoft.com/office/drawing/2014/main" id="{D0ADA9EB-BF03-4ED1-91D7-BB1A20494A23}"/>
+              </a:ext>
+            </a:extLst>
+          </p:cNvPr>
+          <p:cNvSpPr/>
+          <p:nvPr/>
+        </p:nvSpPr>
+        <p:spPr>
+          <a:xfrm>
+            <a:off x="1484400" y="455676"/>
+            <a:ext cx="9034461" cy="5705067"/>
+          </a:xfrm>
+          <a:prstGeom prst="rect">
+            <a:avLst/>
+          </a:prstGeom>
+          <a:noFill/>
+        </p:spPr>
+        <p:style>
+          <a:lnRef idx="2">
+            <a:schemeClr val="accent1">
+              <a:shade val="50000"/>
+            </a:schemeClr>
+          </a:lnRef>
+          <a:fillRef idx="1">
+            <a:schemeClr val="accent1"/>
+          </a:fillRef>
+          <a:effectRef idx="0">
+            <a:schemeClr val="accent1"/>
+          </a:effectRef>
+          <a:fontRef idx="minor">
+            <a:schemeClr val="lt1"/>
+          </a:fontRef>
+        </p:style>
+        <p:txBody>
+          <a:bodyPr rtlCol="0" anchor="ctr"/>
+          <a:lstStyle/>
+          <a:p>
+            <a:pPr algn="ctr"/>
+            <a:endParaRPr kumimoji="1" lang="ja-JP" altLang="en-US"/>
+          </a:p>
+        </p:txBody>
+      </p:sp>
+      <p:sp>
+        <p:nvSpPr>
+          <p:cNvPr id="7" name="正方形/長方形 6">
+            <a:extLst>
+              <a:ext uri="{FF2B5EF4-FFF2-40B4-BE49-F238E27FC236}">
+                <a16:creationId xmlns:a16="http://schemas.microsoft.com/office/drawing/2014/main" id="{B3312943-4F05-4B14-969A-408EA595510D}"/>
+              </a:ext>
+            </a:extLst>
+          </p:cNvPr>
+          <p:cNvSpPr/>
+          <p:nvPr/>
+        </p:nvSpPr>
+        <p:spPr>
+          <a:xfrm>
+            <a:off x="3560328" y="820782"/>
+            <a:ext cx="5032527" cy="692652"/>
+          </a:xfrm>
+          <a:prstGeom prst="rect">
+            <a:avLst/>
+          </a:prstGeom>
+          <a:noFill/>
+        </p:spPr>
+        <p:style>
+          <a:lnRef idx="2">
+            <a:schemeClr val="accent1">
+              <a:shade val="50000"/>
+            </a:schemeClr>
+          </a:lnRef>
+          <a:fillRef idx="1">
+            <a:schemeClr val="accent1"/>
+          </a:fillRef>
+          <a:effectRef idx="0">
+            <a:schemeClr val="accent1"/>
+          </a:effectRef>
+          <a:fontRef idx="minor">
+            <a:schemeClr val="lt1"/>
+          </a:fontRef>
+        </p:style>
+        <p:txBody>
+          <a:bodyPr rtlCol="0" anchor="ctr"/>
+          <a:lstStyle/>
+          <a:p>
+            <a:pPr algn="ctr"/>
+            <a:r>
+              <a:rPr kumimoji="1" lang="ja-JP" altLang="en-US" dirty="0">
+                <a:solidFill>
+                  <a:schemeClr val="tx1"/>
+                </a:solidFill>
+              </a:rPr>
+              <a:t>名前</a:t>
+            </a:r>
+            <a:endParaRPr kumimoji="1" lang="en-US" altLang="ja-JP" dirty="0">
+              <a:solidFill>
+                <a:schemeClr val="tx1"/>
+              </a:solidFill>
+            </a:endParaRPr>
+          </a:p>
+        </p:txBody>
+      </p:sp>
+      <p:sp>
+        <p:nvSpPr>
+          <p:cNvPr id="10" name="正方形/長方形 9">
+            <a:extLst>
+              <a:ext uri="{FF2B5EF4-FFF2-40B4-BE49-F238E27FC236}">
+                <a16:creationId xmlns:a16="http://schemas.microsoft.com/office/drawing/2014/main" id="{B2BA03F4-7355-4F58-84C7-15441CC288FA}"/>
+              </a:ext>
+            </a:extLst>
+          </p:cNvPr>
+          <p:cNvSpPr/>
+          <p:nvPr/>
+        </p:nvSpPr>
+        <p:spPr>
+          <a:xfrm>
+            <a:off x="3560328" y="1695848"/>
+            <a:ext cx="5032527" cy="558837"/>
+          </a:xfrm>
+          <a:prstGeom prst="rect">
+            <a:avLst/>
+          </a:prstGeom>
+          <a:noFill/>
+        </p:spPr>
+        <p:style>
+          <a:lnRef idx="2">
+            <a:schemeClr val="accent1">
+              <a:shade val="50000"/>
+            </a:schemeClr>
+          </a:lnRef>
+          <a:fillRef idx="1">
+            <a:schemeClr val="accent1"/>
+          </a:fillRef>
+          <a:effectRef idx="0">
+            <a:schemeClr val="accent1"/>
+          </a:effectRef>
+          <a:fontRef idx="minor">
+            <a:schemeClr val="lt1"/>
+          </a:fontRef>
+        </p:style>
+        <p:txBody>
+          <a:bodyPr rtlCol="0" anchor="ctr"/>
+          <a:lstStyle/>
+          <a:p>
+            <a:pPr algn="ctr"/>
+            <a:r>
+              <a:rPr kumimoji="1" lang="ja-JP" altLang="en-US" dirty="0">
+                <a:solidFill>
+                  <a:schemeClr val="tx1"/>
+                </a:solidFill>
+              </a:rPr>
+              <a:t>自己紹介</a:t>
+            </a:r>
+            <a:endParaRPr kumimoji="1" lang="en-US" altLang="ja-JP" dirty="0">
+              <a:solidFill>
+                <a:schemeClr val="tx1"/>
+              </a:solidFill>
+            </a:endParaRPr>
+          </a:p>
+        </p:txBody>
+      </p:sp>
+      <p:sp>
+        <p:nvSpPr>
+          <p:cNvPr id="12" name="正方形/長方形 11">
+            <a:extLst>
+              <a:ext uri="{FF2B5EF4-FFF2-40B4-BE49-F238E27FC236}">
+                <a16:creationId xmlns:a16="http://schemas.microsoft.com/office/drawing/2014/main" id="{574C492F-6125-47AA-9BC5-860D2981962B}"/>
+              </a:ext>
+            </a:extLst>
+          </p:cNvPr>
+          <p:cNvSpPr/>
+          <p:nvPr/>
+        </p:nvSpPr>
+        <p:spPr>
+          <a:xfrm>
+            <a:off x="2479281" y="3410267"/>
+            <a:ext cx="6530030" cy="785713"/>
+          </a:xfrm>
+          <a:prstGeom prst="rect">
+            <a:avLst/>
+          </a:prstGeom>
+          <a:noFill/>
+        </p:spPr>
+        <p:style>
+          <a:lnRef idx="2">
+            <a:schemeClr val="accent1">
+              <a:shade val="50000"/>
+            </a:schemeClr>
+          </a:lnRef>
+          <a:fillRef idx="1">
+            <a:schemeClr val="accent1"/>
+          </a:fillRef>
+          <a:effectRef idx="0">
+            <a:schemeClr val="accent1"/>
+          </a:effectRef>
+          <a:fontRef idx="minor">
+            <a:schemeClr val="lt1"/>
+          </a:fontRef>
+        </p:style>
+        <p:txBody>
+          <a:bodyPr rtlCol="0" anchor="ctr"/>
+          <a:lstStyle/>
+          <a:p>
+            <a:pPr algn="ctr"/>
+            <a:r>
+              <a:rPr lang="ja-JP" altLang="en-US" dirty="0">
+                <a:solidFill>
+                  <a:schemeClr val="tx1"/>
+                </a:solidFill>
+              </a:rPr>
+              <a:t>投稿</a:t>
+            </a:r>
+            <a:endParaRPr kumimoji="1" lang="ja-JP" altLang="en-US" dirty="0">
+              <a:solidFill>
+                <a:schemeClr val="tx1"/>
+              </a:solidFill>
+            </a:endParaRPr>
+          </a:p>
+        </p:txBody>
+      </p:sp>
+      <p:sp>
+        <p:nvSpPr>
+          <p:cNvPr id="13" name="スマイル 12">
+            <a:extLst>
+              <a:ext uri="{FF2B5EF4-FFF2-40B4-BE49-F238E27FC236}">
+                <a16:creationId xmlns:a16="http://schemas.microsoft.com/office/drawing/2014/main" id="{45D32341-1658-43ED-9812-C3DFF1AFA500}"/>
+              </a:ext>
+            </a:extLst>
+          </p:cNvPr>
+          <p:cNvSpPr/>
+          <p:nvPr/>
+        </p:nvSpPr>
+        <p:spPr>
+          <a:xfrm>
+            <a:off x="1846716" y="851920"/>
+            <a:ext cx="1265129" cy="1073287"/>
+          </a:xfrm>
+          <a:prstGeom prst="smileyFace">
+            <a:avLst/>
+          </a:prstGeom>
+          <a:solidFill>
+            <a:schemeClr val="bg1"/>
+          </a:solidFill>
+        </p:spPr>
+        <p:style>
+          <a:lnRef idx="2">
+            <a:schemeClr val="accent1">
+              <a:shade val="50000"/>
+            </a:schemeClr>
+          </a:lnRef>
+          <a:fillRef idx="1">
+            <a:schemeClr val="accent1"/>
+          </a:fillRef>
+          <a:effectRef idx="0">
+            <a:schemeClr val="accent1"/>
+          </a:effectRef>
+          <a:fontRef idx="minor">
+            <a:schemeClr val="lt1"/>
+          </a:fontRef>
+        </p:style>
+        <p:txBody>
+          <a:bodyPr rtlCol="0" anchor="ctr"/>
+          <a:lstStyle/>
+          <a:p>
+            <a:pPr algn="ctr"/>
+            <a:endParaRPr kumimoji="1" lang="ja-JP" altLang="en-US"/>
+          </a:p>
+        </p:txBody>
+      </p:sp>
+      <p:sp>
+        <p:nvSpPr>
+          <p:cNvPr id="16" name="正方形/長方形 15">
+            <a:extLst>
+              <a:ext uri="{FF2B5EF4-FFF2-40B4-BE49-F238E27FC236}">
+                <a16:creationId xmlns:a16="http://schemas.microsoft.com/office/drawing/2014/main" id="{652BEE23-5AD7-4218-AD73-BDE7E8D074EB}"/>
+              </a:ext>
+            </a:extLst>
+          </p:cNvPr>
+          <p:cNvSpPr/>
+          <p:nvPr/>
+        </p:nvSpPr>
+        <p:spPr>
+          <a:xfrm>
+            <a:off x="2479281" y="4380837"/>
+            <a:ext cx="6530030" cy="785713"/>
+          </a:xfrm>
+          <a:prstGeom prst="rect">
+            <a:avLst/>
+          </a:prstGeom>
+          <a:noFill/>
+        </p:spPr>
+        <p:style>
+          <a:lnRef idx="2">
+            <a:schemeClr val="accent1">
+              <a:shade val="50000"/>
+            </a:schemeClr>
+          </a:lnRef>
+          <a:fillRef idx="1">
+            <a:schemeClr val="accent1"/>
+          </a:fillRef>
+          <a:effectRef idx="0">
+            <a:schemeClr val="accent1"/>
+          </a:effectRef>
+          <a:fontRef idx="minor">
+            <a:schemeClr val="lt1"/>
+          </a:fontRef>
+        </p:style>
+        <p:txBody>
+          <a:bodyPr rtlCol="0" anchor="ctr"/>
+          <a:lstStyle/>
+          <a:p>
+            <a:pPr algn="ctr"/>
+            <a:r>
+              <a:rPr lang="ja-JP" altLang="en-US" dirty="0">
+                <a:solidFill>
+                  <a:schemeClr val="tx1"/>
+                </a:solidFill>
+              </a:rPr>
+              <a:t>投稿</a:t>
+            </a:r>
+            <a:endParaRPr kumimoji="1" lang="ja-JP" altLang="en-US" dirty="0">
+              <a:solidFill>
+                <a:schemeClr val="tx1"/>
+              </a:solidFill>
+            </a:endParaRPr>
+          </a:p>
+        </p:txBody>
+      </p:sp>
+      <p:sp>
+        <p:nvSpPr>
+          <p:cNvPr id="18" name="正方形/長方形 17">
+            <a:extLst>
+              <a:ext uri="{FF2B5EF4-FFF2-40B4-BE49-F238E27FC236}">
+                <a16:creationId xmlns:a16="http://schemas.microsoft.com/office/drawing/2014/main" id="{55183E8C-5E54-418A-AEA7-5DACF1B4A5EE}"/>
+              </a:ext>
+            </a:extLst>
+          </p:cNvPr>
+          <p:cNvSpPr/>
+          <p:nvPr/>
+        </p:nvSpPr>
+        <p:spPr>
+          <a:xfrm>
+            <a:off x="9169050" y="3561667"/>
+            <a:ext cx="717081" cy="482912"/>
+          </a:xfrm>
+          <a:prstGeom prst="rect">
+            <a:avLst/>
+          </a:prstGeom>
+          <a:noFill/>
+        </p:spPr>
+        <p:style>
+          <a:lnRef idx="2">
+            <a:schemeClr val="accent1">
+              <a:shade val="50000"/>
+            </a:schemeClr>
+          </a:lnRef>
+          <a:fillRef idx="1">
+            <a:schemeClr val="accent1"/>
+          </a:fillRef>
+          <a:effectRef idx="0">
+            <a:schemeClr val="accent1"/>
+          </a:effectRef>
+          <a:fontRef idx="minor">
+            <a:schemeClr val="lt1"/>
+          </a:fontRef>
+        </p:style>
+        <p:txBody>
+          <a:bodyPr rtlCol="0" anchor="ctr"/>
+          <a:lstStyle/>
+          <a:p>
+            <a:pPr algn="ctr"/>
+            <a:r>
+              <a:rPr kumimoji="1" lang="ja-JP" altLang="en-US" dirty="0">
+                <a:solidFill>
+                  <a:schemeClr val="tx1"/>
+                </a:solidFill>
+              </a:rPr>
+              <a:t>削除</a:t>
+            </a:r>
+          </a:p>
+        </p:txBody>
+      </p:sp>
+      <p:sp>
+        <p:nvSpPr>
+          <p:cNvPr id="19" name="正方形/長方形 18">
+            <a:extLst>
+              <a:ext uri="{FF2B5EF4-FFF2-40B4-BE49-F238E27FC236}">
+                <a16:creationId xmlns:a16="http://schemas.microsoft.com/office/drawing/2014/main" id="{93063815-6744-40DA-A58D-5C17BF1F9304}"/>
+              </a:ext>
+            </a:extLst>
+          </p:cNvPr>
+          <p:cNvSpPr/>
+          <p:nvPr/>
+        </p:nvSpPr>
+        <p:spPr>
+          <a:xfrm>
+            <a:off x="9169051" y="4532237"/>
+            <a:ext cx="717081" cy="482912"/>
+          </a:xfrm>
+          <a:prstGeom prst="rect">
+            <a:avLst/>
+          </a:prstGeom>
+          <a:noFill/>
+        </p:spPr>
+        <p:style>
+          <a:lnRef idx="2">
+            <a:schemeClr val="accent1">
+              <a:shade val="50000"/>
+            </a:schemeClr>
+          </a:lnRef>
+          <a:fillRef idx="1">
+            <a:schemeClr val="accent1"/>
+          </a:fillRef>
+          <a:effectRef idx="0">
+            <a:schemeClr val="accent1"/>
+          </a:effectRef>
+          <a:fontRef idx="minor">
+            <a:schemeClr val="lt1"/>
+          </a:fontRef>
+        </p:style>
+        <p:txBody>
+          <a:bodyPr rtlCol="0" anchor="ctr"/>
+          <a:lstStyle/>
+          <a:p>
+            <a:pPr algn="ctr"/>
+            <a:r>
+              <a:rPr kumimoji="1" lang="ja-JP" altLang="en-US" dirty="0">
+                <a:solidFill>
+                  <a:schemeClr val="tx1"/>
+                </a:solidFill>
+              </a:rPr>
+              <a:t>削除</a:t>
+            </a:r>
+          </a:p>
+        </p:txBody>
+      </p:sp>
+      <p:sp>
+        <p:nvSpPr>
+          <p:cNvPr id="20" name="正方形/長方形 19">
+            <a:extLst>
+              <a:ext uri="{FF2B5EF4-FFF2-40B4-BE49-F238E27FC236}">
+                <a16:creationId xmlns:a16="http://schemas.microsoft.com/office/drawing/2014/main" id="{D03C144E-BF30-455F-96F0-B5B711CFDE72}"/>
+              </a:ext>
+            </a:extLst>
+          </p:cNvPr>
+          <p:cNvSpPr/>
+          <p:nvPr/>
+        </p:nvSpPr>
+        <p:spPr>
+          <a:xfrm>
+            <a:off x="4861566" y="5332559"/>
+            <a:ext cx="2430049" cy="598392"/>
+          </a:xfrm>
+          <a:prstGeom prst="rect">
+            <a:avLst/>
+          </a:prstGeom>
+          <a:noFill/>
+        </p:spPr>
+        <p:style>
+          <a:lnRef idx="2">
+            <a:schemeClr val="accent1">
+              <a:shade val="50000"/>
+            </a:schemeClr>
+          </a:lnRef>
+          <a:fillRef idx="1">
+            <a:schemeClr val="accent1"/>
+          </a:fillRef>
+          <a:effectRef idx="0">
+            <a:schemeClr val="accent1"/>
+          </a:effectRef>
+          <a:fontRef idx="minor">
+            <a:schemeClr val="lt1"/>
+          </a:fontRef>
+        </p:style>
+        <p:txBody>
+          <a:bodyPr rtlCol="0" anchor="ctr"/>
+          <a:lstStyle/>
+          <a:p>
+            <a:pPr algn="ctr"/>
+            <a:r>
+              <a:rPr lang="ja-JP" altLang="en-US" dirty="0">
+                <a:solidFill>
+                  <a:schemeClr val="tx1"/>
+                </a:solidFill>
+              </a:rPr>
+              <a:t>変更を完了する</a:t>
+            </a:r>
+            <a:endParaRPr kumimoji="1" lang="ja-JP" altLang="en-US" dirty="0">
+              <a:solidFill>
+                <a:schemeClr val="tx1"/>
+              </a:solidFill>
+            </a:endParaRPr>
+          </a:p>
+        </p:txBody>
+      </p:sp>
+      <p:sp>
+        <p:nvSpPr>
+          <p:cNvPr id="21" name="正方形/長方形 20">
+            <a:extLst>
+              <a:ext uri="{FF2B5EF4-FFF2-40B4-BE49-F238E27FC236}">
+                <a16:creationId xmlns:a16="http://schemas.microsoft.com/office/drawing/2014/main" id="{40FD155C-1B81-485B-AC14-BEE9C636E72F}"/>
+              </a:ext>
+            </a:extLst>
+          </p:cNvPr>
+          <p:cNvSpPr/>
+          <p:nvPr/>
+        </p:nvSpPr>
+        <p:spPr>
+          <a:xfrm>
+            <a:off x="3560328" y="2417523"/>
+            <a:ext cx="5032527" cy="558837"/>
+          </a:xfrm>
+          <a:prstGeom prst="rect">
+            <a:avLst/>
+          </a:prstGeom>
+          <a:noFill/>
+        </p:spPr>
+        <p:style>
+          <a:lnRef idx="2">
+            <a:schemeClr val="accent1">
+              <a:shade val="50000"/>
+            </a:schemeClr>
+          </a:lnRef>
+          <a:fillRef idx="1">
+            <a:schemeClr val="accent1"/>
+          </a:fillRef>
+          <a:effectRef idx="0">
+            <a:schemeClr val="accent1"/>
+          </a:effectRef>
+          <a:fontRef idx="minor">
+            <a:schemeClr val="lt1"/>
+          </a:fontRef>
+        </p:style>
+        <p:txBody>
+          <a:bodyPr rtlCol="0" anchor="ctr"/>
+          <a:lstStyle/>
+          <a:p>
+            <a:pPr algn="ctr"/>
+            <a:r>
+              <a:rPr kumimoji="1" lang="ja-JP" altLang="en-US" dirty="0">
+                <a:solidFill>
+                  <a:schemeClr val="tx1"/>
+                </a:solidFill>
+              </a:rPr>
+              <a:t>パスワード</a:t>
+            </a:r>
+          </a:p>
+        </p:txBody>
+      </p:sp>
+    </p:spTree>
+    <p:extLst>
+      <p:ext uri="{BB962C8B-B14F-4D97-AF65-F5344CB8AC3E}">
+        <p14:creationId xmlns:p14="http://schemas.microsoft.com/office/powerpoint/2010/main" val="1785033297"/>
       </p:ext>
     </p:extLst>
   </p:cSld>

--- a/doc/イメージ図_0606.pptx
+++ b/doc/イメージ図_0606.pptx
@@ -206,7 +206,7 @@
           <a:p>
             <a:fld id="{3195760C-13C9-420E-A969-27C30C354C60}" type="datetimeFigureOut">
               <a:rPr kumimoji="1" lang="ja-JP" altLang="en-US" smtClean="0"/>
-              <a:t>2023/6/8</a:t>
+              <a:t>2023/6/9</a:t>
             </a:fld>
             <a:endParaRPr kumimoji="1" lang="ja-JP" altLang="en-US"/>
           </a:p>
@@ -549,6 +549,90 @@
           <a:bodyPr/>
           <a:lstStyle/>
           <a:p>
+            <a:endParaRPr kumimoji="1" lang="ja-JP" altLang="en-US" dirty="0"/>
+          </a:p>
+        </p:txBody>
+      </p:sp>
+      <p:sp>
+        <p:nvSpPr>
+          <p:cNvPr id="4" name="スライド番号プレースホルダー 3"/>
+          <p:cNvSpPr>
+            <a:spLocks noGrp="1"/>
+          </p:cNvSpPr>
+          <p:nvPr>
+            <p:ph type="sldNum" sz="quarter" idx="5"/>
+          </p:nvPr>
+        </p:nvSpPr>
+        <p:spPr/>
+        <p:txBody>
+          <a:bodyPr/>
+          <a:lstStyle/>
+          <a:p>
+            <a:fld id="{0AEA46F5-B5B7-452C-8182-80E037B8154F}" type="slidenum">
+              <a:rPr kumimoji="1" lang="ja-JP" altLang="en-US" smtClean="0"/>
+              <a:t>1</a:t>
+            </a:fld>
+            <a:endParaRPr kumimoji="1" lang="ja-JP" altLang="en-US"/>
+          </a:p>
+        </p:txBody>
+      </p:sp>
+    </p:spTree>
+    <p:extLst>
+      <p:ext uri="{BB962C8B-B14F-4D97-AF65-F5344CB8AC3E}">
+        <p14:creationId xmlns:p14="http://schemas.microsoft.com/office/powerpoint/2010/main" val="2200727437"/>
+      </p:ext>
+    </p:extLst>
+  </p:cSld>
+  <p:clrMapOvr>
+    <a:masterClrMapping/>
+  </p:clrMapOvr>
+</p:notes>
+</file>
+
+<file path=ppt/notesSlides/notesSlide2.xml><?xml version="1.0" encoding="utf-8"?>
+<p:notes xmlns:a="http://schemas.openxmlformats.org/drawingml/2006/main" xmlns:r="http://schemas.openxmlformats.org/officeDocument/2006/relationships" xmlns:p="http://schemas.openxmlformats.org/presentationml/2006/main">
+  <p:cSld>
+    <p:spTree>
+      <p:nvGrpSpPr>
+        <p:cNvPr id="1" name=""/>
+        <p:cNvGrpSpPr/>
+        <p:nvPr/>
+      </p:nvGrpSpPr>
+      <p:grpSpPr>
+        <a:xfrm>
+          <a:off x="0" y="0"/>
+          <a:ext cx="0" cy="0"/>
+          <a:chOff x="0" y="0"/>
+          <a:chExt cx="0" cy="0"/>
+        </a:xfrm>
+      </p:grpSpPr>
+      <p:sp>
+        <p:nvSpPr>
+          <p:cNvPr id="2" name="スライド イメージ プレースホルダー 1"/>
+          <p:cNvSpPr>
+            <a:spLocks noGrp="1" noRot="1" noChangeAspect="1"/>
+          </p:cNvSpPr>
+          <p:nvPr>
+            <p:ph type="sldImg"/>
+          </p:nvPr>
+        </p:nvSpPr>
+        <p:spPr/>
+      </p:sp>
+      <p:sp>
+        <p:nvSpPr>
+          <p:cNvPr id="3" name="ノート プレースホルダー 2"/>
+          <p:cNvSpPr>
+            <a:spLocks noGrp="1"/>
+          </p:cNvSpPr>
+          <p:nvPr>
+            <p:ph type="body" idx="1"/>
+          </p:nvPr>
+        </p:nvSpPr>
+        <p:spPr/>
+        <p:txBody>
+          <a:bodyPr/>
+          <a:lstStyle/>
+          <a:p>
             <a:r>
               <a:rPr kumimoji="1" lang="ja-JP" altLang="en-US" dirty="0"/>
               <a:t>栄養バランスどうする？</a:t>
@@ -599,7 +683,7 @@
 </p:notes>
 </file>
 
-<file path=ppt/notesSlides/notesSlide2.xml><?xml version="1.0" encoding="utf-8"?>
+<file path=ppt/notesSlides/notesSlide3.xml><?xml version="1.0" encoding="utf-8"?>
 <p:notes xmlns:a="http://schemas.openxmlformats.org/drawingml/2006/main" xmlns:r="http://schemas.openxmlformats.org/officeDocument/2006/relationships" xmlns:p="http://schemas.openxmlformats.org/presentationml/2006/main">
   <p:cSld>
     <p:spTree>
@@ -861,7 +945,7 @@
           <a:p>
             <a:fld id="{873F8E66-ECF2-4E67-94AB-6F1711925AFC}" type="datetimeFigureOut">
               <a:rPr kumimoji="1" lang="ja-JP" altLang="en-US" smtClean="0"/>
-              <a:t>2023/6/8</a:t>
+              <a:t>2023/6/9</a:t>
             </a:fld>
             <a:endParaRPr kumimoji="1" lang="ja-JP" altLang="en-US"/>
           </a:p>
@@ -1091,7 +1175,7 @@
           <a:p>
             <a:fld id="{873F8E66-ECF2-4E67-94AB-6F1711925AFC}" type="datetimeFigureOut">
               <a:rPr kumimoji="1" lang="ja-JP" altLang="en-US" smtClean="0"/>
-              <a:t>2023/6/8</a:t>
+              <a:t>2023/6/9</a:t>
             </a:fld>
             <a:endParaRPr kumimoji="1" lang="ja-JP" altLang="en-US"/>
           </a:p>
@@ -1331,7 +1415,7 @@
           <a:p>
             <a:fld id="{873F8E66-ECF2-4E67-94AB-6F1711925AFC}" type="datetimeFigureOut">
               <a:rPr kumimoji="1" lang="ja-JP" altLang="en-US" smtClean="0"/>
-              <a:t>2023/6/8</a:t>
+              <a:t>2023/6/9</a:t>
             </a:fld>
             <a:endParaRPr kumimoji="1" lang="ja-JP" altLang="en-US"/>
           </a:p>
@@ -1561,7 +1645,7 @@
           <a:p>
             <a:fld id="{873F8E66-ECF2-4E67-94AB-6F1711925AFC}" type="datetimeFigureOut">
               <a:rPr kumimoji="1" lang="ja-JP" altLang="en-US" smtClean="0"/>
-              <a:t>2023/6/8</a:t>
+              <a:t>2023/6/9</a:t>
             </a:fld>
             <a:endParaRPr kumimoji="1" lang="ja-JP" altLang="en-US"/>
           </a:p>
@@ -1836,7 +1920,7 @@
           <a:p>
             <a:fld id="{873F8E66-ECF2-4E67-94AB-6F1711925AFC}" type="datetimeFigureOut">
               <a:rPr kumimoji="1" lang="ja-JP" altLang="en-US" smtClean="0"/>
-              <a:t>2023/6/8</a:t>
+              <a:t>2023/6/9</a:t>
             </a:fld>
             <a:endParaRPr kumimoji="1" lang="ja-JP" altLang="en-US"/>
           </a:p>
@@ -2165,7 +2249,7 @@
           <a:p>
             <a:fld id="{873F8E66-ECF2-4E67-94AB-6F1711925AFC}" type="datetimeFigureOut">
               <a:rPr kumimoji="1" lang="ja-JP" altLang="en-US" smtClean="0"/>
-              <a:t>2023/6/8</a:t>
+              <a:t>2023/6/9</a:t>
             </a:fld>
             <a:endParaRPr kumimoji="1" lang="ja-JP" altLang="en-US"/>
           </a:p>
@@ -2641,7 +2725,7 @@
           <a:p>
             <a:fld id="{873F8E66-ECF2-4E67-94AB-6F1711925AFC}" type="datetimeFigureOut">
               <a:rPr kumimoji="1" lang="ja-JP" altLang="en-US" smtClean="0"/>
-              <a:t>2023/6/8</a:t>
+              <a:t>2023/6/9</a:t>
             </a:fld>
             <a:endParaRPr kumimoji="1" lang="ja-JP" altLang="en-US"/>
           </a:p>
@@ -2782,7 +2866,7 @@
           <a:p>
             <a:fld id="{873F8E66-ECF2-4E67-94AB-6F1711925AFC}" type="datetimeFigureOut">
               <a:rPr kumimoji="1" lang="ja-JP" altLang="en-US" smtClean="0"/>
-              <a:t>2023/6/8</a:t>
+              <a:t>2023/6/9</a:t>
             </a:fld>
             <a:endParaRPr kumimoji="1" lang="ja-JP" altLang="en-US"/>
           </a:p>
@@ -2895,7 +2979,7 @@
           <a:p>
             <a:fld id="{873F8E66-ECF2-4E67-94AB-6F1711925AFC}" type="datetimeFigureOut">
               <a:rPr kumimoji="1" lang="ja-JP" altLang="en-US" smtClean="0"/>
-              <a:t>2023/6/8</a:t>
+              <a:t>2023/6/9</a:t>
             </a:fld>
             <a:endParaRPr kumimoji="1" lang="ja-JP" altLang="en-US"/>
           </a:p>
@@ -3238,7 +3322,7 @@
           <a:p>
             <a:fld id="{873F8E66-ECF2-4E67-94AB-6F1711925AFC}" type="datetimeFigureOut">
               <a:rPr kumimoji="1" lang="ja-JP" altLang="en-US" smtClean="0"/>
-              <a:t>2023/6/8</a:t>
+              <a:t>2023/6/9</a:t>
             </a:fld>
             <a:endParaRPr kumimoji="1" lang="ja-JP" altLang="en-US"/>
           </a:p>
@@ -3526,7 +3610,7 @@
           <a:p>
             <a:fld id="{873F8E66-ECF2-4E67-94AB-6F1711925AFC}" type="datetimeFigureOut">
               <a:rPr kumimoji="1" lang="ja-JP" altLang="en-US" smtClean="0"/>
-              <a:t>2023/6/8</a:t>
+              <a:t>2023/6/9</a:t>
             </a:fld>
             <a:endParaRPr kumimoji="1" lang="ja-JP" altLang="en-US"/>
           </a:p>
@@ -3799,7 +3883,7 @@
           <a:p>
             <a:fld id="{873F8E66-ECF2-4E67-94AB-6F1711925AFC}" type="datetimeFigureOut">
               <a:rPr kumimoji="1" lang="ja-JP" altLang="en-US" smtClean="0"/>
-              <a:t>2023/6/8</a:t>
+              <a:t>2023/6/9</a:t>
             </a:fld>
             <a:endParaRPr kumimoji="1" lang="ja-JP" altLang="en-US"/>
           </a:p>
@@ -4277,8 +4361,8 @@
         </p:nvSpPr>
         <p:spPr>
           <a:xfrm>
-            <a:off x="3954524" y="1374897"/>
-            <a:ext cx="4282953" cy="433196"/>
+            <a:off x="5436341" y="1400672"/>
+            <a:ext cx="2423603" cy="523220"/>
           </a:xfrm>
           <a:prstGeom prst="rect">
             <a:avLst/>
@@ -4291,72 +4375,18 @@
           </a:bodyPr>
           <a:lstStyle/>
           <a:p>
-            <a:pPr algn="ctr"/>
-            <a:r>
-              <a:rPr lang="ja-JP" altLang="en-US" sz="2215" dirty="0"/>
+            <a:r>
+              <a:rPr lang="ja-JP" altLang="en-US" sz="2800" dirty="0">
+                <a:solidFill>
+                  <a:schemeClr val="tx1">
+                    <a:lumMod val="65000"/>
+                    <a:lumOff val="35000"/>
+                  </a:schemeClr>
+                </a:solidFill>
+                <a:latin typeface="HGS創英角ｺﾞｼｯｸUB" panose="020B0900000000000000" pitchFamily="50" charset="-128"/>
+                <a:ea typeface="HGS創英角ｺﾞｼｯｸUB" panose="020B0900000000000000" pitchFamily="50" charset="-128"/>
+              </a:rPr>
               <a:t>物知りプラス</a:t>
-            </a:r>
-          </a:p>
-        </p:txBody>
-      </p:sp>
-      <p:sp>
-        <p:nvSpPr>
-          <p:cNvPr id="8" name="正方形/長方形 7">
-            <a:extLst>
-              <a:ext uri="{FF2B5EF4-FFF2-40B4-BE49-F238E27FC236}">
-                <a16:creationId xmlns:a16="http://schemas.microsoft.com/office/drawing/2014/main" id="{815FA43E-DBDA-4EF6-92F2-E8EE9C1E0E72}"/>
-              </a:ext>
-            </a:extLst>
-          </p:cNvPr>
-          <p:cNvSpPr/>
-          <p:nvPr/>
-        </p:nvSpPr>
-        <p:spPr>
-          <a:xfrm>
-            <a:off x="4244120" y="1206394"/>
-            <a:ext cx="791308" cy="741851"/>
-          </a:xfrm>
-          <a:prstGeom prst="rect">
-            <a:avLst/>
-          </a:prstGeom>
-          <a:noFill/>
-          <a:ln>
-            <a:solidFill>
-              <a:schemeClr val="tx1">
-                <a:lumMod val="50000"/>
-                <a:lumOff val="50000"/>
-              </a:schemeClr>
-            </a:solidFill>
-          </a:ln>
-        </p:spPr>
-        <p:style>
-          <a:lnRef idx="2">
-            <a:schemeClr val="accent1">
-              <a:shade val="50000"/>
-            </a:schemeClr>
-          </a:lnRef>
-          <a:fillRef idx="1">
-            <a:schemeClr val="accent1"/>
-          </a:fillRef>
-          <a:effectRef idx="0">
-            <a:schemeClr val="accent1"/>
-          </a:effectRef>
-          <a:fontRef idx="minor">
-            <a:schemeClr val="lt1"/>
-          </a:fontRef>
-        </p:style>
-        <p:txBody>
-          <a:bodyPr rtlCol="0" anchor="ctr"/>
-          <a:lstStyle/>
-          <a:p>
-            <a:pPr algn="ctr"/>
-            <a:r>
-              <a:rPr lang="ja-JP" altLang="en-US" sz="2215" dirty="0">
-                <a:solidFill>
-                  <a:schemeClr val="tx1"/>
-                </a:solidFill>
-              </a:rPr>
-              <a:t>ロゴ</a:t>
             </a:r>
           </a:p>
         </p:txBody>
@@ -4417,6 +4447,11 @@
             <a:avLst/>
           </a:prstGeom>
           <a:noFill/>
+          <a:ln w="38100">
+            <a:solidFill>
+              <a:srgbClr val="00B050"/>
+            </a:solidFill>
+          </a:ln>
         </p:spPr>
         <p:style>
           <a:lnRef idx="2">
@@ -4476,6 +4511,11 @@
             <a:avLst/>
           </a:prstGeom>
           <a:noFill/>
+          <a:ln w="38100">
+            <a:solidFill>
+              <a:srgbClr val="00B050"/>
+            </a:solidFill>
+          </a:ln>
         </p:spPr>
         <p:style>
           <a:lnRef idx="2">
@@ -4529,7 +4569,14 @@
           <a:prstGeom prst="rect">
             <a:avLst/>
           </a:prstGeom>
-          <a:noFill/>
+          <a:solidFill>
+            <a:srgbClr val="F0D045"/>
+          </a:solidFill>
+          <a:ln>
+            <a:solidFill>
+              <a:srgbClr val="FFFF00"/>
+            </a:solidFill>
+          </a:ln>
         </p:spPr>
         <p:style>
           <a:lnRef idx="2">
@@ -4634,12 +4681,48 @@
           </a:p>
         </p:txBody>
       </p:sp>
-      <p:sp>
-        <p:nvSpPr>
-          <p:cNvPr id="15" name="正方形/長方形 14">
-            <a:extLst>
-              <a:ext uri="{FF2B5EF4-FFF2-40B4-BE49-F238E27FC236}">
-                <a16:creationId xmlns:a16="http://schemas.microsoft.com/office/drawing/2014/main" id="{9A382B43-D31C-48BD-ABB3-61CAB2CA5793}"/>
+      <p:pic>
+        <p:nvPicPr>
+          <p:cNvPr id="3" name="図 2" descr="アイコン&#10;&#10;自動的に生成された説明">
+            <a:extLst>
+              <a:ext uri="{FF2B5EF4-FFF2-40B4-BE49-F238E27FC236}">
+                <a16:creationId xmlns:a16="http://schemas.microsoft.com/office/drawing/2014/main" id="{8D1034FA-9527-4DE3-98CE-6B4127B0033A}"/>
+              </a:ext>
+            </a:extLst>
+          </p:cNvPr>
+          <p:cNvPicPr>
+            <a:picLocks noChangeAspect="1"/>
+          </p:cNvPicPr>
+          <p:nvPr/>
+        </p:nvPicPr>
+        <p:blipFill>
+          <a:blip r:embed="rId3">
+            <a:extLst>
+              <a:ext uri="{28A0092B-C50C-407E-A947-70E740481C1C}">
+                <a14:useLocalDpi xmlns:a14="http://schemas.microsoft.com/office/drawing/2010/main" val="0"/>
+              </a:ext>
+            </a:extLst>
+          </a:blip>
+          <a:stretch>
+            <a:fillRect/>
+          </a:stretch>
+        </p:blipFill>
+        <p:spPr>
+          <a:xfrm>
+            <a:off x="4344459" y="1180539"/>
+            <a:ext cx="1091882" cy="1054303"/>
+          </a:xfrm>
+          <a:prstGeom prst="rect">
+            <a:avLst/>
+          </a:prstGeom>
+        </p:spPr>
+      </p:pic>
+      <p:sp>
+        <p:nvSpPr>
+          <p:cNvPr id="16" name="正方形/長方形 15">
+            <a:extLst>
+              <a:ext uri="{FF2B5EF4-FFF2-40B4-BE49-F238E27FC236}">
+                <a16:creationId xmlns:a16="http://schemas.microsoft.com/office/drawing/2014/main" id="{75E54837-6E52-494A-980D-3772CE3FA7A6}"/>
               </a:ext>
             </a:extLst>
           </p:cNvPr>
@@ -4648,13 +4731,18 @@
         </p:nvSpPr>
         <p:spPr>
           <a:xfrm>
-            <a:off x="6356473" y="4381756"/>
-            <a:ext cx="1406769" cy="404844"/>
+            <a:off x="6096000" y="4367580"/>
+            <a:ext cx="1944740" cy="433196"/>
           </a:xfrm>
           <a:prstGeom prst="rect">
             <a:avLst/>
           </a:prstGeom>
-          <a:noFill/>
+          <a:solidFill>
+            <a:srgbClr val="F1D044"/>
+          </a:solidFill>
+          <a:ln>
+            <a:noFill/>
+          </a:ln>
         </p:spPr>
         <p:style>
           <a:lnRef idx="2">
@@ -4683,7 +4771,7 @@
                   <a:sysClr val="windowText" lastClr="000000"/>
                 </a:solidFill>
               </a:rPr>
-              <a:t>リセット</a:t>
+              <a:t>新規会員登録</a:t>
             </a:r>
           </a:p>
         </p:txBody>
